--- a/RA-L Hetro Sensors/pictures/het_sen_ratio.pptx
+++ b/RA-L Hetro Sensors/pictures/het_sen_ratio.pptx
@@ -104,6 +104,11 @@
       </a:defRPr>
     </a:lvl9pPr>
   </p:defaultTextStyle>
+  <p:extLst>
+    <p:ext uri="{EFAFB233-063F-42B5-8137-9DF3F51BA10A}">
+      <p15:sldGuideLst xmlns:p15="http://schemas.microsoft.com/office/powerpoint/2012/main"/>
+    </p:ext>
+  </p:extLst>
 </p:presentation>
 </file>
 
@@ -238,7 +243,7 @@
           <a:p>
             <a:fld id="{42201F2A-60D3-4BBC-8527-452C50226E2F}" type="datetimeFigureOut">
               <a:rPr lang="en-US" smtClean="0"/>
-              <a:t>9/8/2016</a:t>
+              <a:t>9/10/2016</a:t>
             </a:fld>
             <a:endParaRPr lang="en-US"/>
           </a:p>
@@ -408,7 +413,7 @@
           <a:p>
             <a:fld id="{42201F2A-60D3-4BBC-8527-452C50226E2F}" type="datetimeFigureOut">
               <a:rPr lang="en-US" smtClean="0"/>
-              <a:t>9/8/2016</a:t>
+              <a:t>9/10/2016</a:t>
             </a:fld>
             <a:endParaRPr lang="en-US"/>
           </a:p>
@@ -588,7 +593,7 @@
           <a:p>
             <a:fld id="{42201F2A-60D3-4BBC-8527-452C50226E2F}" type="datetimeFigureOut">
               <a:rPr lang="en-US" smtClean="0"/>
-              <a:t>9/8/2016</a:t>
+              <a:t>9/10/2016</a:t>
             </a:fld>
             <a:endParaRPr lang="en-US"/>
           </a:p>
@@ -758,7 +763,7 @@
           <a:p>
             <a:fld id="{42201F2A-60D3-4BBC-8527-452C50226E2F}" type="datetimeFigureOut">
               <a:rPr lang="en-US" smtClean="0"/>
-              <a:t>9/8/2016</a:t>
+              <a:t>9/10/2016</a:t>
             </a:fld>
             <a:endParaRPr lang="en-US"/>
           </a:p>
@@ -1004,7 +1009,7 @@
           <a:p>
             <a:fld id="{42201F2A-60D3-4BBC-8527-452C50226E2F}" type="datetimeFigureOut">
               <a:rPr lang="en-US" smtClean="0"/>
-              <a:t>9/8/2016</a:t>
+              <a:t>9/10/2016</a:t>
             </a:fld>
             <a:endParaRPr lang="en-US"/>
           </a:p>
@@ -1236,7 +1241,7 @@
           <a:p>
             <a:fld id="{42201F2A-60D3-4BBC-8527-452C50226E2F}" type="datetimeFigureOut">
               <a:rPr lang="en-US" smtClean="0"/>
-              <a:t>9/8/2016</a:t>
+              <a:t>9/10/2016</a:t>
             </a:fld>
             <a:endParaRPr lang="en-US"/>
           </a:p>
@@ -1603,7 +1608,7 @@
           <a:p>
             <a:fld id="{42201F2A-60D3-4BBC-8527-452C50226E2F}" type="datetimeFigureOut">
               <a:rPr lang="en-US" smtClean="0"/>
-              <a:t>9/8/2016</a:t>
+              <a:t>9/10/2016</a:t>
             </a:fld>
             <a:endParaRPr lang="en-US"/>
           </a:p>
@@ -1721,7 +1726,7 @@
           <a:p>
             <a:fld id="{42201F2A-60D3-4BBC-8527-452C50226E2F}" type="datetimeFigureOut">
               <a:rPr lang="en-US" smtClean="0"/>
-              <a:t>9/8/2016</a:t>
+              <a:t>9/10/2016</a:t>
             </a:fld>
             <a:endParaRPr lang="en-US"/>
           </a:p>
@@ -1816,7 +1821,7 @@
           <a:p>
             <a:fld id="{42201F2A-60D3-4BBC-8527-452C50226E2F}" type="datetimeFigureOut">
               <a:rPr lang="en-US" smtClean="0"/>
-              <a:t>9/8/2016</a:t>
+              <a:t>9/10/2016</a:t>
             </a:fld>
             <a:endParaRPr lang="en-US"/>
           </a:p>
@@ -2093,7 +2098,7 @@
           <a:p>
             <a:fld id="{42201F2A-60D3-4BBC-8527-452C50226E2F}" type="datetimeFigureOut">
               <a:rPr lang="en-US" smtClean="0"/>
-              <a:t>9/8/2016</a:t>
+              <a:t>9/10/2016</a:t>
             </a:fld>
             <a:endParaRPr lang="en-US"/>
           </a:p>
@@ -2350,7 +2355,7 @@
           <a:p>
             <a:fld id="{42201F2A-60D3-4BBC-8527-452C50226E2F}" type="datetimeFigureOut">
               <a:rPr lang="en-US" smtClean="0"/>
-              <a:t>9/8/2016</a:t>
+              <a:t>9/10/2016</a:t>
             </a:fld>
             <a:endParaRPr lang="en-US"/>
           </a:p>
@@ -2563,7 +2568,7 @@
           <a:p>
             <a:fld id="{42201F2A-60D3-4BBC-8527-452C50226E2F}" type="datetimeFigureOut">
               <a:rPr lang="en-US" smtClean="0"/>
-              <a:t>9/8/2016</a:t>
+              <a:t>9/10/2016</a:t>
             </a:fld>
             <a:endParaRPr lang="en-US"/>
           </a:p>
@@ -3034,12 +3039,28 @@
             <a:lstStyle/>
             <a:p>
               <a:r>
-                <a:rPr lang="en-US" sz="2400" dirty="0" smtClean="0"/>
-                <a:t>Smart Darts: 100%     90%      80%      70%       60%      50%      40%      30%       20%     10%     0%       Seismic Spider: </a:t>
+                <a:rPr lang="en-US" sz="2400" dirty="0" err="1" smtClean="0"/>
+                <a:t>SeismicDarts</a:t>
               </a:r>
               <a:r>
                 <a:rPr lang="en-US" sz="2400" dirty="0" smtClean="0"/>
-                <a:t>0%     10%      20%      30%       40%      50%      60%      70%       80%     90%     100%</a:t>
+                <a:t>: 100%     90%      80%      70%       60%      50%      40%      30%       20%     10%     0%       </a:t>
+              </a:r>
+              <a:r>
+                <a:rPr lang="en-US" sz="2400" dirty="0" err="1" smtClean="0"/>
+                <a:t>SeismicSpider</a:t>
+              </a:r>
+              <a:r>
+                <a:rPr lang="en-US" sz="2400" dirty="0" smtClean="0"/>
+                <a:t>: </a:t>
+              </a:r>
+              <a:r>
+                <a:rPr lang="en-US" sz="2400" dirty="0" smtClean="0"/>
+                <a:t>  0</a:t>
+              </a:r>
+              <a:r>
+                <a:rPr lang="en-US" sz="2400" dirty="0" smtClean="0"/>
+                <a:t>%     10%      20%      30%       40%      50%      60%      70%       80%     90%     100%</a:t>
               </a:r>
             </a:p>
           </p:txBody>
@@ -3052,7 +3073,7 @@
           </p:nvCxnSpPr>
           <p:spPr>
             <a:xfrm>
-              <a:off x="6745857" y="1337095"/>
+              <a:off x="6745857" y="1406838"/>
               <a:ext cx="690113" cy="0"/>
             </a:xfrm>
             <a:prstGeom prst="line">
@@ -3087,7 +3108,7 @@
           </p:nvCxnSpPr>
           <p:spPr>
             <a:xfrm>
-              <a:off x="6745857" y="1593013"/>
+              <a:off x="6745857" y="1747996"/>
               <a:ext cx="690113" cy="0"/>
             </a:xfrm>
             <a:prstGeom prst="line">
@@ -3123,7 +3144,7 @@
           <p:spPr>
             <a:xfrm>
               <a:off x="7435970" y="1138687"/>
-              <a:ext cx="2139351" cy="646331"/>
+              <a:ext cx="2722439" cy="830997"/>
             </a:xfrm>
             <a:prstGeom prst="rect">
               <a:avLst/>
@@ -3137,13 +3158,13 @@
             <a:lstStyle/>
             <a:p>
               <a:r>
-                <a:rPr lang="en-US" dirty="0" smtClean="0"/>
+                <a:rPr lang="en-US" sz="2400" dirty="0" smtClean="0"/>
                 <a:t>Total Sensors = 5000</a:t>
               </a:r>
             </a:p>
             <a:p>
               <a:r>
-                <a:rPr lang="en-US" dirty="0" smtClean="0"/>
+                <a:rPr lang="en-US" sz="2400" dirty="0" smtClean="0"/>
                 <a:t>Total Sensors = 3000</a:t>
               </a:r>
             </a:p>
